--- a/Презентация.pptx
+++ b/Презентация.pptx
@@ -6,6 +6,9 @@
   </p:sldMasterIdLst>
   <p:sldIdLst>
     <p:sldId id="256" r:id="rId2"/>
+    <p:sldId id="263" r:id="rId3"/>
+    <p:sldId id="258" r:id="rId4"/>
+    <p:sldId id="265" r:id="rId5"/>
   </p:sldIdLst>
   <p:sldSz cx="12192000" cy="6858000"/>
   <p:notesSz cx="6858000" cy="9144000"/>
@@ -259,7 +262,7 @@
           <a:p>
             <a:fld id="{36943302-F661-4BAE-A954-778A98E469B5}" type="datetimeFigureOut">
               <a:rPr lang="ru-RU" smtClean="0"/>
-              <a:t>10.01.2022</a:t>
+              <a:t>24.01.2022</a:t>
             </a:fld>
             <a:endParaRPr lang="ru-RU"/>
           </a:p>
@@ -457,7 +460,7 @@
           <a:p>
             <a:fld id="{36943302-F661-4BAE-A954-778A98E469B5}" type="datetimeFigureOut">
               <a:rPr lang="ru-RU" smtClean="0"/>
-              <a:t>10.01.2022</a:t>
+              <a:t>24.01.2022</a:t>
             </a:fld>
             <a:endParaRPr lang="ru-RU"/>
           </a:p>
@@ -665,7 +668,7 @@
           <a:p>
             <a:fld id="{36943302-F661-4BAE-A954-778A98E469B5}" type="datetimeFigureOut">
               <a:rPr lang="ru-RU" smtClean="0"/>
-              <a:t>10.01.2022</a:t>
+              <a:t>24.01.2022</a:t>
             </a:fld>
             <a:endParaRPr lang="ru-RU"/>
           </a:p>
@@ -863,7 +866,7 @@
           <a:p>
             <a:fld id="{36943302-F661-4BAE-A954-778A98E469B5}" type="datetimeFigureOut">
               <a:rPr lang="ru-RU" smtClean="0"/>
-              <a:t>10.01.2022</a:t>
+              <a:t>24.01.2022</a:t>
             </a:fld>
             <a:endParaRPr lang="ru-RU"/>
           </a:p>
@@ -1138,7 +1141,7 @@
           <a:p>
             <a:fld id="{36943302-F661-4BAE-A954-778A98E469B5}" type="datetimeFigureOut">
               <a:rPr lang="ru-RU" smtClean="0"/>
-              <a:t>10.01.2022</a:t>
+              <a:t>24.01.2022</a:t>
             </a:fld>
             <a:endParaRPr lang="ru-RU"/>
           </a:p>
@@ -1403,7 +1406,7 @@
           <a:p>
             <a:fld id="{36943302-F661-4BAE-A954-778A98E469B5}" type="datetimeFigureOut">
               <a:rPr lang="ru-RU" smtClean="0"/>
-              <a:t>10.01.2022</a:t>
+              <a:t>24.01.2022</a:t>
             </a:fld>
             <a:endParaRPr lang="ru-RU"/>
           </a:p>
@@ -1815,7 +1818,7 @@
           <a:p>
             <a:fld id="{36943302-F661-4BAE-A954-778A98E469B5}" type="datetimeFigureOut">
               <a:rPr lang="ru-RU" smtClean="0"/>
-              <a:t>10.01.2022</a:t>
+              <a:t>24.01.2022</a:t>
             </a:fld>
             <a:endParaRPr lang="ru-RU"/>
           </a:p>
@@ -1956,7 +1959,7 @@
           <a:p>
             <a:fld id="{36943302-F661-4BAE-A954-778A98E469B5}" type="datetimeFigureOut">
               <a:rPr lang="ru-RU" smtClean="0"/>
-              <a:t>10.01.2022</a:t>
+              <a:t>24.01.2022</a:t>
             </a:fld>
             <a:endParaRPr lang="ru-RU"/>
           </a:p>
@@ -2069,7 +2072,7 @@
           <a:p>
             <a:fld id="{36943302-F661-4BAE-A954-778A98E469B5}" type="datetimeFigureOut">
               <a:rPr lang="ru-RU" smtClean="0"/>
-              <a:t>10.01.2022</a:t>
+              <a:t>24.01.2022</a:t>
             </a:fld>
             <a:endParaRPr lang="ru-RU"/>
           </a:p>
@@ -2380,7 +2383,7 @@
           <a:p>
             <a:fld id="{36943302-F661-4BAE-A954-778A98E469B5}" type="datetimeFigureOut">
               <a:rPr lang="ru-RU" smtClean="0"/>
-              <a:t>10.01.2022</a:t>
+              <a:t>24.01.2022</a:t>
             </a:fld>
             <a:endParaRPr lang="ru-RU"/>
           </a:p>
@@ -2668,7 +2671,7 @@
           <a:p>
             <a:fld id="{36943302-F661-4BAE-A954-778A98E469B5}" type="datetimeFigureOut">
               <a:rPr lang="ru-RU" smtClean="0"/>
-              <a:t>10.01.2022</a:t>
+              <a:t>24.01.2022</a:t>
             </a:fld>
             <a:endParaRPr lang="ru-RU"/>
           </a:p>
@@ -2909,7 +2912,7 @@
           <a:p>
             <a:fld id="{36943302-F661-4BAE-A954-778A98E469B5}" type="datetimeFigureOut">
               <a:rPr lang="ru-RU" smtClean="0"/>
-              <a:t>10.01.2022</a:t>
+              <a:t>24.01.2022</a:t>
             </a:fld>
             <a:endParaRPr lang="ru-RU"/>
           </a:p>
@@ -3336,7 +3339,7 @@
       </p:grpSpPr>
       <p:sp useBgFill="1">
         <p:nvSpPr>
-          <p:cNvPr id="135" name="!!BGRectangle">
+          <p:cNvPr id="80" name="!!BGRectangle">
             <a:extLst>
               <a:ext uri="{FF2B5EF4-FFF2-40B4-BE49-F238E27FC236}">
                 <a16:creationId xmlns:a16="http://schemas.microsoft.com/office/drawing/2014/main" id="{F1611BA9-268A-49A6-84F8-FC91536686E4}"/>
@@ -3412,7 +3415,7 @@
       </p:sp>
       <p:sp>
         <p:nvSpPr>
-          <p:cNvPr id="137" name="Rectangle 136">
+          <p:cNvPr id="82" name="Rectangle 81">
             <a:extLst>
               <a:ext uri="{FF2B5EF4-FFF2-40B4-BE49-F238E27FC236}">
                 <a16:creationId xmlns:a16="http://schemas.microsoft.com/office/drawing/2014/main" id="{E20EB187-900F-4AF5-813B-101456D9FD39}"/>
@@ -3473,6 +3476,42 @@
           </a:p>
         </p:txBody>
       </p:sp>
+      <p:pic>
+        <p:nvPicPr>
+          <p:cNvPr id="5" name="Рисунок 4" descr="Изображение выглядит как внешний, небо, облака, облачный&#10;&#10;Автоматически созданное описание">
+            <a:extLst>
+              <a:ext uri="{FF2B5EF4-FFF2-40B4-BE49-F238E27FC236}">
+                <a16:creationId xmlns:a16="http://schemas.microsoft.com/office/drawing/2014/main" id="{FF6CADAC-440A-42BF-82C9-DCF95CE35B97}"/>
+              </a:ext>
+            </a:extLst>
+          </p:cNvPr>
+          <p:cNvPicPr>
+            <a:picLocks noChangeAspect="1"/>
+          </p:cNvPicPr>
+          <p:nvPr/>
+        </p:nvPicPr>
+        <p:blipFill rotWithShape="1">
+          <a:blip r:embed="rId2">
+            <a:alphaModFix amt="50000"/>
+            <a:extLst>
+              <a:ext uri="{28A0092B-C50C-407E-A947-70E740481C1C}">
+                <a14:useLocalDpi xmlns:a14="http://schemas.microsoft.com/office/drawing/2010/main" val="0"/>
+              </a:ext>
+            </a:extLst>
+          </a:blip>
+          <a:srcRect t="5727" b="9687"/>
+          <a:stretch/>
+        </p:blipFill>
+        <p:spPr>
+          <a:xfrm>
+            <a:off x="20" y="1"/>
+            <a:ext cx="12191980" cy="6857999"/>
+          </a:xfrm>
+          <a:prstGeom prst="rect">
+            <a:avLst/>
+          </a:prstGeom>
+        </p:spPr>
+      </p:pic>
       <p:sp>
         <p:nvSpPr>
           <p:cNvPr id="2" name="Заголовок 1">
@@ -3503,13 +3542,18 @@
           <a:p>
             <a:pPr algn="l"/>
             <a:r>
-              <a:rPr lang="ru-RU" sz="8000" dirty="0">
+              <a:rPr lang="en-US" sz="8000" dirty="0" err="1">
                 <a:solidFill>
                   <a:srgbClr val="FFFFFF"/>
                 </a:solidFill>
               </a:rPr>
-              <a:t>Титульный лист</a:t>
-            </a:r>
+              <a:t>Fulllife</a:t>
+            </a:r>
+            <a:endParaRPr lang="ru-RU" sz="8000" dirty="0">
+              <a:solidFill>
+                <a:srgbClr val="FFFFFF"/>
+              </a:solidFill>
+            </a:endParaRPr>
           </a:p>
         </p:txBody>
       </p:sp>
@@ -3568,7 +3612,7 @@
       </p:sp>
       <p:sp>
         <p:nvSpPr>
-          <p:cNvPr id="139" name="!!Line">
+          <p:cNvPr id="84" name="!!Line">
             <a:extLst>
               <a:ext uri="{FF2B5EF4-FFF2-40B4-BE49-F238E27FC236}">
                 <a16:creationId xmlns:a16="http://schemas.microsoft.com/office/drawing/2014/main" id="{1825D5AF-D278-4D9A-A4F5-A1A1D3507636}"/>
@@ -3842,6 +3886,991 @@
       <p:bldP spid="3" grpId="0" build="p"/>
     </p:bldLst>
   </p:timing>
+</p:sld>
+</file>
+
+<file path=ppt/slides/slide2.xml><?xml version="1.0" encoding="utf-8"?>
+<p:sld xmlns:a="http://schemas.openxmlformats.org/drawingml/2006/main" xmlns:r="http://schemas.openxmlformats.org/officeDocument/2006/relationships" xmlns:p="http://schemas.openxmlformats.org/presentationml/2006/main">
+  <p:cSld>
+    <p:bg>
+      <p:bgPr>
+        <a:solidFill>
+          <a:schemeClr val="bg1"/>
+        </a:solidFill>
+        <a:effectLst/>
+      </p:bgPr>
+    </p:bg>
+    <p:spTree>
+      <p:nvGrpSpPr>
+        <p:cNvPr id="1" name=""/>
+        <p:cNvGrpSpPr/>
+        <p:nvPr/>
+      </p:nvGrpSpPr>
+      <p:grpSpPr>
+        <a:xfrm>
+          <a:off x="0" y="0"/>
+          <a:ext cx="0" cy="0"/>
+          <a:chOff x="0" y="0"/>
+          <a:chExt cx="0" cy="0"/>
+        </a:xfrm>
+      </p:grpSpPr>
+      <p:sp useBgFill="1">
+        <p:nvSpPr>
+          <p:cNvPr id="12" name="Rectangle 11">
+            <a:extLst>
+              <a:ext uri="{FF2B5EF4-FFF2-40B4-BE49-F238E27FC236}">
+                <a16:creationId xmlns:a16="http://schemas.microsoft.com/office/drawing/2014/main" id="{04812C46-200A-4DEB-A05E-3ED6C68C2387}"/>
+              </a:ext>
+              <a:ext uri="{C183D7F6-B498-43B3-948B-1728B52AA6E4}">
+                <adec:decorative xmlns:adec="http://schemas.microsoft.com/office/drawing/2017/decorative" val="1"/>
+              </a:ext>
+            </a:extLst>
+          </p:cNvPr>
+          <p:cNvSpPr>
+            <a:spLocks noGrp="1" noRot="1" noChangeAspect="1" noMove="1" noResize="1" noEditPoints="1" noAdjustHandles="1" noChangeArrowheads="1" noChangeShapeType="1" noTextEdit="1"/>
+          </p:cNvSpPr>
+          <p:nvPr>
+            <p:extLst>
+              <p:ext uri="{386F3935-93C4-4BCD-93E2-E3B085C9AB24}">
+                <p16:designElem xmlns:p16="http://schemas.microsoft.com/office/powerpoint/2015/main" val="1"/>
+              </p:ext>
+            </p:extLst>
+          </p:nvPr>
+        </p:nvSpPr>
+        <p:spPr>
+          <a:xfrm>
+            <a:off x="-1" y="0"/>
+            <a:ext cx="12188952" cy="6858000"/>
+          </a:xfrm>
+          <a:prstGeom prst="rect">
+            <a:avLst/>
+          </a:prstGeom>
+          <a:ln>
+            <a:noFill/>
+          </a:ln>
+        </p:spPr>
+        <p:style>
+          <a:lnRef idx="2">
+            <a:schemeClr val="accent1">
+              <a:shade val="50000"/>
+            </a:schemeClr>
+          </a:lnRef>
+          <a:fillRef idx="1">
+            <a:schemeClr val="accent1"/>
+          </a:fillRef>
+          <a:effectRef idx="0">
+            <a:schemeClr val="accent1"/>
+          </a:effectRef>
+          <a:fontRef idx="minor">
+            <a:schemeClr val="lt1"/>
+          </a:fontRef>
+        </p:style>
+        <p:txBody>
+          <a:bodyPr rtlCol="0" anchor="ctr"/>
+          <a:lstStyle/>
+          <a:p>
+            <a:pPr algn="ctr"/>
+            <a:endParaRPr lang="en-US"/>
+          </a:p>
+        </p:txBody>
+      </p:sp>
+      <p:pic>
+        <p:nvPicPr>
+          <p:cNvPr id="5" name="Объект 4" descr="Изображение выглядит как внешний, небо, облака, облачный&#10;&#10;Автоматически созданное описание">
+            <a:extLst>
+              <a:ext uri="{FF2B5EF4-FFF2-40B4-BE49-F238E27FC236}">
+                <a16:creationId xmlns:a16="http://schemas.microsoft.com/office/drawing/2014/main" id="{7B0B89FF-5D8C-4481-A361-6F23A4E8662E}"/>
+              </a:ext>
+            </a:extLst>
+          </p:cNvPr>
+          <p:cNvPicPr>
+            <a:picLocks noChangeAspect="1"/>
+          </p:cNvPicPr>
+          <p:nvPr/>
+        </p:nvPicPr>
+        <p:blipFill rotWithShape="1">
+          <a:blip r:embed="rId2">
+            <a:extLst>
+              <a:ext uri="{28A0092B-C50C-407E-A947-70E740481C1C}">
+                <a14:useLocalDpi xmlns:a14="http://schemas.microsoft.com/office/drawing/2010/main" val="0"/>
+              </a:ext>
+            </a:extLst>
+          </a:blip>
+          <a:srcRect l="5973" r="263"/>
+          <a:stretch/>
+        </p:blipFill>
+        <p:spPr>
+          <a:xfrm>
+            <a:off x="1" y="10"/>
+            <a:ext cx="9669642" cy="6857990"/>
+          </a:xfrm>
+          <a:prstGeom prst="rect">
+            <a:avLst/>
+          </a:prstGeom>
+        </p:spPr>
+      </p:pic>
+      <p:sp>
+        <p:nvSpPr>
+          <p:cNvPr id="14" name="Rectangle 13">
+            <a:extLst>
+              <a:ext uri="{FF2B5EF4-FFF2-40B4-BE49-F238E27FC236}">
+                <a16:creationId xmlns:a16="http://schemas.microsoft.com/office/drawing/2014/main" id="{D1EA859B-E555-4109-94F3-6700E046E008}"/>
+              </a:ext>
+              <a:ext uri="{C183D7F6-B498-43B3-948B-1728B52AA6E4}">
+                <adec:decorative xmlns:adec="http://schemas.microsoft.com/office/drawing/2017/decorative" val="1"/>
+              </a:ext>
+            </a:extLst>
+          </p:cNvPr>
+          <p:cNvSpPr>
+            <a:spLocks noGrp="1" noRot="1" noChangeAspect="1" noMove="1" noResize="1" noEditPoints="1" noAdjustHandles="1" noChangeArrowheads="1" noChangeShapeType="1" noTextEdit="1"/>
+          </p:cNvSpPr>
+          <p:nvPr>
+            <p:extLst>
+              <p:ext uri="{386F3935-93C4-4BCD-93E2-E3B085C9AB24}">
+                <p16:designElem xmlns:p16="http://schemas.microsoft.com/office/powerpoint/2015/main" val="1"/>
+              </p:ext>
+            </p:extLst>
+          </p:nvPr>
+        </p:nvSpPr>
+        <p:spPr>
+          <a:xfrm flipH="1">
+            <a:off x="5125019" y="0"/>
+            <a:ext cx="7066978" cy="6858000"/>
+          </a:xfrm>
+          <a:prstGeom prst="rect">
+            <a:avLst/>
+          </a:prstGeom>
+          <a:gradFill>
+            <a:gsLst>
+              <a:gs pos="48000">
+                <a:schemeClr val="bg1"/>
+              </a:gs>
+              <a:gs pos="35000">
+                <a:schemeClr val="bg1">
+                  <a:alpha val="77000"/>
+                </a:schemeClr>
+              </a:gs>
+              <a:gs pos="19000">
+                <a:schemeClr val="bg1">
+                  <a:alpha val="38000"/>
+                </a:schemeClr>
+              </a:gs>
+              <a:gs pos="0">
+                <a:schemeClr val="bg1">
+                  <a:alpha val="0"/>
+                </a:schemeClr>
+              </a:gs>
+              <a:gs pos="100000">
+                <a:schemeClr val="bg1"/>
+              </a:gs>
+            </a:gsLst>
+            <a:lin ang="10800000" scaled="0"/>
+          </a:gradFill>
+          <a:ln>
+            <a:noFill/>
+          </a:ln>
+        </p:spPr>
+        <p:style>
+          <a:lnRef idx="2">
+            <a:schemeClr val="accent1">
+              <a:shade val="50000"/>
+            </a:schemeClr>
+          </a:lnRef>
+          <a:fillRef idx="1">
+            <a:schemeClr val="accent1"/>
+          </a:fillRef>
+          <a:effectRef idx="0">
+            <a:schemeClr val="accent1"/>
+          </a:effectRef>
+          <a:fontRef idx="minor">
+            <a:schemeClr val="lt1"/>
+          </a:fontRef>
+        </p:style>
+        <p:txBody>
+          <a:bodyPr rtlCol="0" anchor="ctr"/>
+          <a:lstStyle/>
+          <a:p>
+            <a:pPr algn="ctr"/>
+            <a:endParaRPr lang="en-US" dirty="0"/>
+          </a:p>
+        </p:txBody>
+      </p:sp>
+      <p:sp>
+        <p:nvSpPr>
+          <p:cNvPr id="2" name="Заголовок 1">
+            <a:extLst>
+              <a:ext uri="{FF2B5EF4-FFF2-40B4-BE49-F238E27FC236}">
+                <a16:creationId xmlns:a16="http://schemas.microsoft.com/office/drawing/2014/main" id="{EEE64DE5-726A-4BA8-891E-49ED836F21CC}"/>
+              </a:ext>
+            </a:extLst>
+          </p:cNvPr>
+          <p:cNvSpPr>
+            <a:spLocks noGrp="1"/>
+          </p:cNvSpPr>
+          <p:nvPr>
+            <p:ph type="title"/>
+          </p:nvPr>
+        </p:nvSpPr>
+        <p:spPr>
+          <a:xfrm>
+            <a:off x="7528564" y="534284"/>
+            <a:ext cx="3822189" cy="1899912"/>
+          </a:xfrm>
+        </p:spPr>
+        <p:txBody>
+          <a:bodyPr>
+            <a:normAutofit/>
+          </a:bodyPr>
+          <a:lstStyle/>
+          <a:p>
+            <a:r>
+              <a:rPr lang="ru-RU" sz="7200" b="1" dirty="0"/>
+              <a:t>Меню</a:t>
+            </a:r>
+          </a:p>
+        </p:txBody>
+      </p:sp>
+      <p:sp>
+        <p:nvSpPr>
+          <p:cNvPr id="9" name="Content Placeholder 8">
+            <a:extLst>
+              <a:ext uri="{FF2B5EF4-FFF2-40B4-BE49-F238E27FC236}">
+                <a16:creationId xmlns:a16="http://schemas.microsoft.com/office/drawing/2014/main" id="{E495F40A-17EB-44FB-BA54-03C8D2EA78AD}"/>
+              </a:ext>
+            </a:extLst>
+          </p:cNvPr>
+          <p:cNvSpPr>
+            <a:spLocks noGrp="1"/>
+          </p:cNvSpPr>
+          <p:nvPr>
+            <p:ph idx="1"/>
+          </p:nvPr>
+        </p:nvSpPr>
+        <p:spPr>
+          <a:xfrm>
+            <a:off x="7528564" y="1863434"/>
+            <a:ext cx="3822189" cy="3742762"/>
+          </a:xfrm>
+        </p:spPr>
+        <p:txBody>
+          <a:bodyPr>
+            <a:normAutofit/>
+          </a:bodyPr>
+          <a:lstStyle/>
+          <a:p>
+            <a:pPr marL="0" indent="0">
+              <a:buNone/>
+            </a:pPr>
+            <a:r>
+              <a:rPr lang="ru-RU" sz="2400" dirty="0"/>
+              <a:t>Вы должны ввести имя, только после этого можно будет начать игру.</a:t>
+            </a:r>
+          </a:p>
+          <a:p>
+            <a:pPr marL="0" indent="0">
+              <a:buNone/>
+            </a:pPr>
+            <a:r>
+              <a:rPr lang="ru-RU" sz="2400" dirty="0"/>
+              <a:t>Так же вы можете посмотреть рекорды прошлых игр и информацию об авторе.</a:t>
+            </a:r>
+          </a:p>
+        </p:txBody>
+      </p:sp>
+      <p:pic>
+        <p:nvPicPr>
+          <p:cNvPr id="4" name="Рисунок 3">
+            <a:extLst>
+              <a:ext uri="{FF2B5EF4-FFF2-40B4-BE49-F238E27FC236}">
+                <a16:creationId xmlns:a16="http://schemas.microsoft.com/office/drawing/2014/main" id="{27A8D26D-B2CB-4D9C-B726-F034635C32E6}"/>
+              </a:ext>
+            </a:extLst>
+          </p:cNvPr>
+          <p:cNvPicPr>
+            <a:picLocks noChangeAspect="1"/>
+          </p:cNvPicPr>
+          <p:nvPr/>
+        </p:nvPicPr>
+        <p:blipFill>
+          <a:blip r:embed="rId3"/>
+          <a:stretch>
+            <a:fillRect/>
+          </a:stretch>
+        </p:blipFill>
+        <p:spPr>
+          <a:xfrm>
+            <a:off x="466841" y="1008868"/>
+            <a:ext cx="5787863" cy="4578459"/>
+          </a:xfrm>
+          <a:prstGeom prst="rect">
+            <a:avLst/>
+          </a:prstGeom>
+        </p:spPr>
+      </p:pic>
+    </p:spTree>
+    <p:extLst>
+      <p:ext uri="{BB962C8B-B14F-4D97-AF65-F5344CB8AC3E}">
+        <p14:creationId xmlns:p14="http://schemas.microsoft.com/office/powerpoint/2010/main" val="901362696"/>
+      </p:ext>
+    </p:extLst>
+  </p:cSld>
+  <p:clrMapOvr>
+    <a:masterClrMapping/>
+  </p:clrMapOvr>
+</p:sld>
+</file>
+
+<file path=ppt/slides/slide3.xml><?xml version="1.0" encoding="utf-8"?>
+<p:sld xmlns:a="http://schemas.openxmlformats.org/drawingml/2006/main" xmlns:r="http://schemas.openxmlformats.org/officeDocument/2006/relationships" xmlns:p="http://schemas.openxmlformats.org/presentationml/2006/main">
+  <p:cSld>
+    <p:bg>
+      <p:bgPr>
+        <a:solidFill>
+          <a:schemeClr val="bg1"/>
+        </a:solidFill>
+        <a:effectLst/>
+      </p:bgPr>
+    </p:bg>
+    <p:spTree>
+      <p:nvGrpSpPr>
+        <p:cNvPr id="1" name=""/>
+        <p:cNvGrpSpPr/>
+        <p:nvPr/>
+      </p:nvGrpSpPr>
+      <p:grpSpPr>
+        <a:xfrm>
+          <a:off x="0" y="0"/>
+          <a:ext cx="0" cy="0"/>
+          <a:chOff x="0" y="0"/>
+          <a:chExt cx="0" cy="0"/>
+        </a:xfrm>
+      </p:grpSpPr>
+      <p:sp useBgFill="1">
+        <p:nvSpPr>
+          <p:cNvPr id="12" name="Rectangle 11">
+            <a:extLst>
+              <a:ext uri="{FF2B5EF4-FFF2-40B4-BE49-F238E27FC236}">
+                <a16:creationId xmlns:a16="http://schemas.microsoft.com/office/drawing/2014/main" id="{04812C46-200A-4DEB-A05E-3ED6C68C2387}"/>
+              </a:ext>
+              <a:ext uri="{C183D7F6-B498-43B3-948B-1728B52AA6E4}">
+                <adec:decorative xmlns:adec="http://schemas.microsoft.com/office/drawing/2017/decorative" val="1"/>
+              </a:ext>
+            </a:extLst>
+          </p:cNvPr>
+          <p:cNvSpPr>
+            <a:spLocks noGrp="1" noRot="1" noChangeAspect="1" noMove="1" noResize="1" noEditPoints="1" noAdjustHandles="1" noChangeArrowheads="1" noChangeShapeType="1" noTextEdit="1"/>
+          </p:cNvSpPr>
+          <p:nvPr>
+            <p:extLst>
+              <p:ext uri="{386F3935-93C4-4BCD-93E2-E3B085C9AB24}">
+                <p16:designElem xmlns:p16="http://schemas.microsoft.com/office/powerpoint/2015/main" val="1"/>
+              </p:ext>
+            </p:extLst>
+          </p:nvPr>
+        </p:nvSpPr>
+        <p:spPr>
+          <a:xfrm>
+            <a:off x="-1" y="0"/>
+            <a:ext cx="12188952" cy="6858000"/>
+          </a:xfrm>
+          <a:prstGeom prst="rect">
+            <a:avLst/>
+          </a:prstGeom>
+          <a:ln>
+            <a:noFill/>
+          </a:ln>
+        </p:spPr>
+        <p:style>
+          <a:lnRef idx="2">
+            <a:schemeClr val="accent1">
+              <a:shade val="50000"/>
+            </a:schemeClr>
+          </a:lnRef>
+          <a:fillRef idx="1">
+            <a:schemeClr val="accent1"/>
+          </a:fillRef>
+          <a:effectRef idx="0">
+            <a:schemeClr val="accent1"/>
+          </a:effectRef>
+          <a:fontRef idx="minor">
+            <a:schemeClr val="lt1"/>
+          </a:fontRef>
+        </p:style>
+        <p:txBody>
+          <a:bodyPr rtlCol="0" anchor="ctr"/>
+          <a:lstStyle/>
+          <a:p>
+            <a:pPr algn="ctr"/>
+            <a:endParaRPr lang="en-US"/>
+          </a:p>
+        </p:txBody>
+      </p:sp>
+      <p:pic>
+        <p:nvPicPr>
+          <p:cNvPr id="5" name="Объект 4" descr="Изображение выглядит как внешний, небо, облака, облачный&#10;&#10;Автоматически созданное описание">
+            <a:extLst>
+              <a:ext uri="{FF2B5EF4-FFF2-40B4-BE49-F238E27FC236}">
+                <a16:creationId xmlns:a16="http://schemas.microsoft.com/office/drawing/2014/main" id="{7B0B89FF-5D8C-4481-A361-6F23A4E8662E}"/>
+              </a:ext>
+            </a:extLst>
+          </p:cNvPr>
+          <p:cNvPicPr>
+            <a:picLocks noChangeAspect="1"/>
+          </p:cNvPicPr>
+          <p:nvPr/>
+        </p:nvPicPr>
+        <p:blipFill rotWithShape="1">
+          <a:blip r:embed="rId2">
+            <a:extLst>
+              <a:ext uri="{28A0092B-C50C-407E-A947-70E740481C1C}">
+                <a14:useLocalDpi xmlns:a14="http://schemas.microsoft.com/office/drawing/2010/main" val="0"/>
+              </a:ext>
+            </a:extLst>
+          </a:blip>
+          <a:srcRect l="5973" r="263"/>
+          <a:stretch/>
+        </p:blipFill>
+        <p:spPr>
+          <a:xfrm>
+            <a:off x="1" y="10"/>
+            <a:ext cx="9669642" cy="6857990"/>
+          </a:xfrm>
+          <a:prstGeom prst="rect">
+            <a:avLst/>
+          </a:prstGeom>
+        </p:spPr>
+      </p:pic>
+      <p:sp>
+        <p:nvSpPr>
+          <p:cNvPr id="14" name="Rectangle 13">
+            <a:extLst>
+              <a:ext uri="{FF2B5EF4-FFF2-40B4-BE49-F238E27FC236}">
+                <a16:creationId xmlns:a16="http://schemas.microsoft.com/office/drawing/2014/main" id="{D1EA859B-E555-4109-94F3-6700E046E008}"/>
+              </a:ext>
+              <a:ext uri="{C183D7F6-B498-43B3-948B-1728B52AA6E4}">
+                <adec:decorative xmlns:adec="http://schemas.microsoft.com/office/drawing/2017/decorative" val="1"/>
+              </a:ext>
+            </a:extLst>
+          </p:cNvPr>
+          <p:cNvSpPr>
+            <a:spLocks noGrp="1" noRot="1" noChangeAspect="1" noMove="1" noResize="1" noEditPoints="1" noAdjustHandles="1" noChangeArrowheads="1" noChangeShapeType="1" noTextEdit="1"/>
+          </p:cNvSpPr>
+          <p:nvPr>
+            <p:extLst>
+              <p:ext uri="{386F3935-93C4-4BCD-93E2-E3B085C9AB24}">
+                <p16:designElem xmlns:p16="http://schemas.microsoft.com/office/powerpoint/2015/main" val="1"/>
+              </p:ext>
+            </p:extLst>
+          </p:nvPr>
+        </p:nvSpPr>
+        <p:spPr>
+          <a:xfrm flipH="1">
+            <a:off x="5125019" y="0"/>
+            <a:ext cx="7066978" cy="6858000"/>
+          </a:xfrm>
+          <a:prstGeom prst="rect">
+            <a:avLst/>
+          </a:prstGeom>
+          <a:gradFill>
+            <a:gsLst>
+              <a:gs pos="48000">
+                <a:schemeClr val="bg1"/>
+              </a:gs>
+              <a:gs pos="35000">
+                <a:schemeClr val="bg1">
+                  <a:alpha val="77000"/>
+                </a:schemeClr>
+              </a:gs>
+              <a:gs pos="19000">
+                <a:schemeClr val="bg1">
+                  <a:alpha val="38000"/>
+                </a:schemeClr>
+              </a:gs>
+              <a:gs pos="0">
+                <a:schemeClr val="bg1">
+                  <a:alpha val="0"/>
+                </a:schemeClr>
+              </a:gs>
+              <a:gs pos="100000">
+                <a:schemeClr val="bg1"/>
+              </a:gs>
+            </a:gsLst>
+            <a:lin ang="10800000" scaled="0"/>
+          </a:gradFill>
+          <a:ln>
+            <a:noFill/>
+          </a:ln>
+        </p:spPr>
+        <p:style>
+          <a:lnRef idx="2">
+            <a:schemeClr val="accent1">
+              <a:shade val="50000"/>
+            </a:schemeClr>
+          </a:lnRef>
+          <a:fillRef idx="1">
+            <a:schemeClr val="accent1"/>
+          </a:fillRef>
+          <a:effectRef idx="0">
+            <a:schemeClr val="accent1"/>
+          </a:effectRef>
+          <a:fontRef idx="minor">
+            <a:schemeClr val="lt1"/>
+          </a:fontRef>
+        </p:style>
+        <p:txBody>
+          <a:bodyPr rtlCol="0" anchor="ctr"/>
+          <a:lstStyle/>
+          <a:p>
+            <a:pPr algn="ctr"/>
+            <a:endParaRPr lang="en-US" dirty="0"/>
+          </a:p>
+        </p:txBody>
+      </p:sp>
+      <p:sp>
+        <p:nvSpPr>
+          <p:cNvPr id="2" name="Заголовок 1">
+            <a:extLst>
+              <a:ext uri="{FF2B5EF4-FFF2-40B4-BE49-F238E27FC236}">
+                <a16:creationId xmlns:a16="http://schemas.microsoft.com/office/drawing/2014/main" id="{EEE64DE5-726A-4BA8-891E-49ED836F21CC}"/>
+              </a:ext>
+            </a:extLst>
+          </p:cNvPr>
+          <p:cNvSpPr>
+            <a:spLocks noGrp="1"/>
+          </p:cNvSpPr>
+          <p:nvPr>
+            <p:ph type="title"/>
+          </p:nvPr>
+        </p:nvSpPr>
+        <p:spPr>
+          <a:xfrm>
+            <a:off x="7531610" y="1529088"/>
+            <a:ext cx="4071811" cy="1899912"/>
+          </a:xfrm>
+        </p:spPr>
+        <p:txBody>
+          <a:bodyPr>
+            <a:normAutofit/>
+          </a:bodyPr>
+          <a:lstStyle/>
+          <a:p>
+            <a:r>
+              <a:rPr lang="ru-RU" sz="6000" b="1" dirty="0"/>
+              <a:t>Визуальная новелла</a:t>
+            </a:r>
+          </a:p>
+        </p:txBody>
+      </p:sp>
+      <p:sp>
+        <p:nvSpPr>
+          <p:cNvPr id="9" name="Content Placeholder 8">
+            <a:extLst>
+              <a:ext uri="{FF2B5EF4-FFF2-40B4-BE49-F238E27FC236}">
+                <a16:creationId xmlns:a16="http://schemas.microsoft.com/office/drawing/2014/main" id="{E495F40A-17EB-44FB-BA54-03C8D2EA78AD}"/>
+              </a:ext>
+            </a:extLst>
+          </p:cNvPr>
+          <p:cNvSpPr>
+            <a:spLocks noGrp="1"/>
+          </p:cNvSpPr>
+          <p:nvPr>
+            <p:ph idx="1"/>
+          </p:nvPr>
+        </p:nvSpPr>
+        <p:spPr>
+          <a:xfrm>
+            <a:off x="7531610" y="3429000"/>
+            <a:ext cx="3822189" cy="3742762"/>
+          </a:xfrm>
+        </p:spPr>
+        <p:txBody>
+          <a:bodyPr>
+            <a:normAutofit/>
+          </a:bodyPr>
+          <a:lstStyle/>
+          <a:p>
+            <a:pPr marL="0" indent="0">
+              <a:buNone/>
+            </a:pPr>
+            <a:r>
+              <a:rPr lang="ru-RU" sz="2400" dirty="0"/>
+              <a:t>Далее идет своеобразная игра комикс, в которой вы выбираете варианты ответов.</a:t>
+            </a:r>
+            <a:endParaRPr lang="en-US" sz="2400" dirty="0"/>
+          </a:p>
+        </p:txBody>
+      </p:sp>
+      <p:pic>
+        <p:nvPicPr>
+          <p:cNvPr id="7" name="Рисунок 6">
+            <a:extLst>
+              <a:ext uri="{FF2B5EF4-FFF2-40B4-BE49-F238E27FC236}">
+                <a16:creationId xmlns:a16="http://schemas.microsoft.com/office/drawing/2014/main" id="{34390F43-C250-464F-A117-059075DF7323}"/>
+              </a:ext>
+            </a:extLst>
+          </p:cNvPr>
+          <p:cNvPicPr>
+            <a:picLocks noChangeAspect="1"/>
+          </p:cNvPicPr>
+          <p:nvPr/>
+        </p:nvPicPr>
+        <p:blipFill>
+          <a:blip r:embed="rId3"/>
+          <a:stretch>
+            <a:fillRect/>
+          </a:stretch>
+        </p:blipFill>
+        <p:spPr>
+          <a:xfrm>
+            <a:off x="1076225" y="1636158"/>
+            <a:ext cx="5252089" cy="4145352"/>
+          </a:xfrm>
+          <a:prstGeom prst="rect">
+            <a:avLst/>
+          </a:prstGeom>
+        </p:spPr>
+      </p:pic>
+    </p:spTree>
+    <p:extLst>
+      <p:ext uri="{BB962C8B-B14F-4D97-AF65-F5344CB8AC3E}">
+        <p14:creationId xmlns:p14="http://schemas.microsoft.com/office/powerpoint/2010/main" val="807329371"/>
+      </p:ext>
+    </p:extLst>
+  </p:cSld>
+  <p:clrMapOvr>
+    <a:masterClrMapping/>
+  </p:clrMapOvr>
+</p:sld>
+</file>
+
+<file path=ppt/slides/slide4.xml><?xml version="1.0" encoding="utf-8"?>
+<p:sld xmlns:a="http://schemas.openxmlformats.org/drawingml/2006/main" xmlns:r="http://schemas.openxmlformats.org/officeDocument/2006/relationships" xmlns:p="http://schemas.openxmlformats.org/presentationml/2006/main">
+  <p:cSld>
+    <p:bg>
+      <p:bgPr>
+        <a:solidFill>
+          <a:schemeClr val="bg1"/>
+        </a:solidFill>
+        <a:effectLst/>
+      </p:bgPr>
+    </p:bg>
+    <p:spTree>
+      <p:nvGrpSpPr>
+        <p:cNvPr id="1" name=""/>
+        <p:cNvGrpSpPr/>
+        <p:nvPr/>
+      </p:nvGrpSpPr>
+      <p:grpSpPr>
+        <a:xfrm>
+          <a:off x="0" y="0"/>
+          <a:ext cx="0" cy="0"/>
+          <a:chOff x="0" y="0"/>
+          <a:chExt cx="0" cy="0"/>
+        </a:xfrm>
+      </p:grpSpPr>
+      <p:sp useBgFill="1">
+        <p:nvSpPr>
+          <p:cNvPr id="12" name="Rectangle 11">
+            <a:extLst>
+              <a:ext uri="{FF2B5EF4-FFF2-40B4-BE49-F238E27FC236}">
+                <a16:creationId xmlns:a16="http://schemas.microsoft.com/office/drawing/2014/main" id="{04812C46-200A-4DEB-A05E-3ED6C68C2387}"/>
+              </a:ext>
+              <a:ext uri="{C183D7F6-B498-43B3-948B-1728B52AA6E4}">
+                <adec:decorative xmlns:adec="http://schemas.microsoft.com/office/drawing/2017/decorative" val="1"/>
+              </a:ext>
+            </a:extLst>
+          </p:cNvPr>
+          <p:cNvSpPr>
+            <a:spLocks noGrp="1" noRot="1" noChangeAspect="1" noMove="1" noResize="1" noEditPoints="1" noAdjustHandles="1" noChangeArrowheads="1" noChangeShapeType="1" noTextEdit="1"/>
+          </p:cNvSpPr>
+          <p:nvPr>
+            <p:extLst>
+              <p:ext uri="{386F3935-93C4-4BCD-93E2-E3B085C9AB24}">
+                <p16:designElem xmlns:p16="http://schemas.microsoft.com/office/powerpoint/2015/main" val="1"/>
+              </p:ext>
+            </p:extLst>
+          </p:nvPr>
+        </p:nvSpPr>
+        <p:spPr>
+          <a:xfrm>
+            <a:off x="-1" y="0"/>
+            <a:ext cx="12188952" cy="6858000"/>
+          </a:xfrm>
+          <a:prstGeom prst="rect">
+            <a:avLst/>
+          </a:prstGeom>
+          <a:ln>
+            <a:noFill/>
+          </a:ln>
+        </p:spPr>
+        <p:style>
+          <a:lnRef idx="2">
+            <a:schemeClr val="accent1">
+              <a:shade val="50000"/>
+            </a:schemeClr>
+          </a:lnRef>
+          <a:fillRef idx="1">
+            <a:schemeClr val="accent1"/>
+          </a:fillRef>
+          <a:effectRef idx="0">
+            <a:schemeClr val="accent1"/>
+          </a:effectRef>
+          <a:fontRef idx="minor">
+            <a:schemeClr val="lt1"/>
+          </a:fontRef>
+        </p:style>
+        <p:txBody>
+          <a:bodyPr rtlCol="0" anchor="ctr"/>
+          <a:lstStyle/>
+          <a:p>
+            <a:pPr algn="ctr"/>
+            <a:endParaRPr lang="en-US"/>
+          </a:p>
+        </p:txBody>
+      </p:sp>
+      <p:pic>
+        <p:nvPicPr>
+          <p:cNvPr id="5" name="Объект 4" descr="Изображение выглядит как внешний, небо, облака, облачный&#10;&#10;Автоматически созданное описание">
+            <a:extLst>
+              <a:ext uri="{FF2B5EF4-FFF2-40B4-BE49-F238E27FC236}">
+                <a16:creationId xmlns:a16="http://schemas.microsoft.com/office/drawing/2014/main" id="{7B0B89FF-5D8C-4481-A361-6F23A4E8662E}"/>
+              </a:ext>
+            </a:extLst>
+          </p:cNvPr>
+          <p:cNvPicPr>
+            <a:picLocks noChangeAspect="1"/>
+          </p:cNvPicPr>
+          <p:nvPr/>
+        </p:nvPicPr>
+        <p:blipFill rotWithShape="1">
+          <a:blip r:embed="rId2">
+            <a:extLst>
+              <a:ext uri="{28A0092B-C50C-407E-A947-70E740481C1C}">
+                <a14:useLocalDpi xmlns:a14="http://schemas.microsoft.com/office/drawing/2010/main" val="0"/>
+              </a:ext>
+            </a:extLst>
+          </a:blip>
+          <a:srcRect l="5973" r="263"/>
+          <a:stretch/>
+        </p:blipFill>
+        <p:spPr>
+          <a:xfrm>
+            <a:off x="1" y="10"/>
+            <a:ext cx="9669642" cy="6857990"/>
+          </a:xfrm>
+          <a:prstGeom prst="rect">
+            <a:avLst/>
+          </a:prstGeom>
+        </p:spPr>
+      </p:pic>
+      <p:sp>
+        <p:nvSpPr>
+          <p:cNvPr id="14" name="Rectangle 13">
+            <a:extLst>
+              <a:ext uri="{FF2B5EF4-FFF2-40B4-BE49-F238E27FC236}">
+                <a16:creationId xmlns:a16="http://schemas.microsoft.com/office/drawing/2014/main" id="{D1EA859B-E555-4109-94F3-6700E046E008}"/>
+              </a:ext>
+              <a:ext uri="{C183D7F6-B498-43B3-948B-1728B52AA6E4}">
+                <adec:decorative xmlns:adec="http://schemas.microsoft.com/office/drawing/2017/decorative" val="1"/>
+              </a:ext>
+            </a:extLst>
+          </p:cNvPr>
+          <p:cNvSpPr>
+            <a:spLocks noGrp="1" noRot="1" noChangeAspect="1" noMove="1" noResize="1" noEditPoints="1" noAdjustHandles="1" noChangeArrowheads="1" noChangeShapeType="1" noTextEdit="1"/>
+          </p:cNvSpPr>
+          <p:nvPr>
+            <p:extLst>
+              <p:ext uri="{386F3935-93C4-4BCD-93E2-E3B085C9AB24}">
+                <p16:designElem xmlns:p16="http://schemas.microsoft.com/office/powerpoint/2015/main" val="1"/>
+              </p:ext>
+            </p:extLst>
+          </p:nvPr>
+        </p:nvSpPr>
+        <p:spPr>
+          <a:xfrm flipH="1">
+            <a:off x="5125019" y="0"/>
+            <a:ext cx="7066978" cy="6858000"/>
+          </a:xfrm>
+          <a:prstGeom prst="rect">
+            <a:avLst/>
+          </a:prstGeom>
+          <a:gradFill>
+            <a:gsLst>
+              <a:gs pos="48000">
+                <a:schemeClr val="bg1"/>
+              </a:gs>
+              <a:gs pos="35000">
+                <a:schemeClr val="bg1">
+                  <a:alpha val="77000"/>
+                </a:schemeClr>
+              </a:gs>
+              <a:gs pos="19000">
+                <a:schemeClr val="bg1">
+                  <a:alpha val="38000"/>
+                </a:schemeClr>
+              </a:gs>
+              <a:gs pos="0">
+                <a:schemeClr val="bg1">
+                  <a:alpha val="0"/>
+                </a:schemeClr>
+              </a:gs>
+              <a:gs pos="100000">
+                <a:schemeClr val="bg1"/>
+              </a:gs>
+            </a:gsLst>
+            <a:lin ang="10800000" scaled="0"/>
+          </a:gradFill>
+          <a:ln>
+            <a:noFill/>
+          </a:ln>
+        </p:spPr>
+        <p:style>
+          <a:lnRef idx="2">
+            <a:schemeClr val="accent1">
+              <a:shade val="50000"/>
+            </a:schemeClr>
+          </a:lnRef>
+          <a:fillRef idx="1">
+            <a:schemeClr val="accent1"/>
+          </a:fillRef>
+          <a:effectRef idx="0">
+            <a:schemeClr val="accent1"/>
+          </a:effectRef>
+          <a:fontRef idx="minor">
+            <a:schemeClr val="lt1"/>
+          </a:fontRef>
+        </p:style>
+        <p:txBody>
+          <a:bodyPr rtlCol="0" anchor="ctr"/>
+          <a:lstStyle/>
+          <a:p>
+            <a:pPr algn="ctr"/>
+            <a:endParaRPr lang="en-US" dirty="0"/>
+          </a:p>
+        </p:txBody>
+      </p:sp>
+      <p:sp>
+        <p:nvSpPr>
+          <p:cNvPr id="2" name="Заголовок 1">
+            <a:extLst>
+              <a:ext uri="{FF2B5EF4-FFF2-40B4-BE49-F238E27FC236}">
+                <a16:creationId xmlns:a16="http://schemas.microsoft.com/office/drawing/2014/main" id="{EEE64DE5-726A-4BA8-891E-49ED836F21CC}"/>
+              </a:ext>
+            </a:extLst>
+          </p:cNvPr>
+          <p:cNvSpPr>
+            <a:spLocks noGrp="1"/>
+          </p:cNvSpPr>
+          <p:nvPr>
+            <p:ph type="title"/>
+          </p:nvPr>
+        </p:nvSpPr>
+        <p:spPr>
+          <a:xfrm>
+            <a:off x="7531610" y="365125"/>
+            <a:ext cx="3822189" cy="1899912"/>
+          </a:xfrm>
+        </p:spPr>
+        <p:txBody>
+          <a:bodyPr>
+            <a:normAutofit/>
+          </a:bodyPr>
+          <a:lstStyle/>
+          <a:p>
+            <a:r>
+              <a:rPr lang="ru-RU" sz="4000" dirty="0"/>
+              <a:t>Пиксельная игра</a:t>
+            </a:r>
+          </a:p>
+        </p:txBody>
+      </p:sp>
+      <p:sp>
+        <p:nvSpPr>
+          <p:cNvPr id="9" name="Content Placeholder 8">
+            <a:extLst>
+              <a:ext uri="{FF2B5EF4-FFF2-40B4-BE49-F238E27FC236}">
+                <a16:creationId xmlns:a16="http://schemas.microsoft.com/office/drawing/2014/main" id="{E495F40A-17EB-44FB-BA54-03C8D2EA78AD}"/>
+              </a:ext>
+            </a:extLst>
+          </p:cNvPr>
+          <p:cNvSpPr>
+            <a:spLocks noGrp="1"/>
+          </p:cNvSpPr>
+          <p:nvPr>
+            <p:ph idx="1"/>
+          </p:nvPr>
+        </p:nvSpPr>
+        <p:spPr>
+          <a:xfrm>
+            <a:off x="7531610" y="2434201"/>
+            <a:ext cx="3822189" cy="3742762"/>
+          </a:xfrm>
+        </p:spPr>
+        <p:txBody>
+          <a:bodyPr>
+            <a:normAutofit/>
+          </a:bodyPr>
+          <a:lstStyle/>
+          <a:p>
+            <a:pPr marL="0" indent="0">
+              <a:buNone/>
+            </a:pPr>
+            <a:r>
+              <a:rPr lang="ru-RU" sz="2000" dirty="0"/>
+              <a:t>После прохождения новеллы вас ждет игра, в которой нужно убегать от разъярённой девочки, избегая при этом коров и собирая </a:t>
+            </a:r>
+            <a:r>
+              <a:rPr lang="ru-RU" sz="2000" dirty="0" err="1"/>
+              <a:t>койны</a:t>
+            </a:r>
+            <a:r>
+              <a:rPr lang="ru-RU" sz="2000" dirty="0"/>
+              <a:t>, пока вы не дойдете до финиша или вас не поймает девочка.</a:t>
+            </a:r>
+            <a:endParaRPr lang="en-US" sz="2000" dirty="0"/>
+          </a:p>
+        </p:txBody>
+      </p:sp>
+      <p:pic>
+        <p:nvPicPr>
+          <p:cNvPr id="4" name="Рисунок 3">
+            <a:extLst>
+              <a:ext uri="{FF2B5EF4-FFF2-40B4-BE49-F238E27FC236}">
+                <a16:creationId xmlns:a16="http://schemas.microsoft.com/office/drawing/2014/main" id="{F02224AA-2EA7-4A48-B6F4-717A473C857F}"/>
+              </a:ext>
+            </a:extLst>
+          </p:cNvPr>
+          <p:cNvPicPr>
+            <a:picLocks noChangeAspect="1"/>
+          </p:cNvPicPr>
+          <p:nvPr/>
+        </p:nvPicPr>
+        <p:blipFill>
+          <a:blip r:embed="rId3"/>
+          <a:stretch>
+            <a:fillRect/>
+          </a:stretch>
+        </p:blipFill>
+        <p:spPr>
+          <a:xfrm>
+            <a:off x="1053005" y="2101925"/>
+            <a:ext cx="4429508" cy="3509449"/>
+          </a:xfrm>
+          <a:prstGeom prst="rect">
+            <a:avLst/>
+          </a:prstGeom>
+        </p:spPr>
+      </p:pic>
+    </p:spTree>
+    <p:extLst>
+      <p:ext uri="{BB962C8B-B14F-4D97-AF65-F5344CB8AC3E}">
+        <p14:creationId xmlns:p14="http://schemas.microsoft.com/office/powerpoint/2010/main" val="4160245949"/>
+      </p:ext>
+    </p:extLst>
+  </p:cSld>
+  <p:clrMapOvr>
+    <a:masterClrMapping/>
+  </p:clrMapOvr>
 </p:sld>
 </file>
 
